--- a/문서/WPF + C# + Naver API.pptx
+++ b/문서/WPF + C# + Naver API.pptx
@@ -6,6 +6,12 @@
   </p:sldMasterIdLst>
   <p:sldIdLst>
     <p:sldId id="256" r:id="rId2"/>
+    <p:sldId id="258" r:id="rId3"/>
+    <p:sldId id="257" r:id="rId4"/>
+    <p:sldId id="262" r:id="rId5"/>
+    <p:sldId id="261" r:id="rId6"/>
+    <p:sldId id="259" r:id="rId7"/>
+    <p:sldId id="260" r:id="rId8"/>
   </p:sldIdLst>
   <p:sldSz cx="12192000" cy="6858000"/>
   <p:notesSz cx="6858000" cy="9144000"/>
@@ -104,6 +110,11 @@
       </a:defRPr>
     </a:lvl9pPr>
   </p:defaultTextStyle>
+  <p:extLst>
+    <p:ext uri="{EFAFB233-063F-42B5-8137-9DF3F51BA10A}">
+      <p15:sldGuideLst xmlns:p15="http://schemas.microsoft.com/office/powerpoint/2012/main"/>
+    </p:ext>
+  </p:extLst>
 </p:presentation>
 </file>
 
@@ -254,7 +265,7 @@
           <a:p>
             <a:fld id="{881C6C38-60F3-4051-90EA-87F8074D3E0D}" type="datetimeFigureOut">
               <a:rPr lang="ko-KR" altLang="en-US" smtClean="0"/>
-              <a:t>2023-01-03</a:t>
+              <a:t>2023-01-04</a:t>
             </a:fld>
             <a:endParaRPr lang="ko-KR" altLang="en-US"/>
           </a:p>
@@ -452,7 +463,7 @@
           <a:p>
             <a:fld id="{881C6C38-60F3-4051-90EA-87F8074D3E0D}" type="datetimeFigureOut">
               <a:rPr lang="ko-KR" altLang="en-US" smtClean="0"/>
-              <a:t>2023-01-03</a:t>
+              <a:t>2023-01-04</a:t>
             </a:fld>
             <a:endParaRPr lang="ko-KR" altLang="en-US"/>
           </a:p>
@@ -660,7 +671,7 @@
           <a:p>
             <a:fld id="{881C6C38-60F3-4051-90EA-87F8074D3E0D}" type="datetimeFigureOut">
               <a:rPr lang="ko-KR" altLang="en-US" smtClean="0"/>
-              <a:t>2023-01-03</a:t>
+              <a:t>2023-01-04</a:t>
             </a:fld>
             <a:endParaRPr lang="ko-KR" altLang="en-US"/>
           </a:p>
@@ -858,7 +869,7 @@
           <a:p>
             <a:fld id="{881C6C38-60F3-4051-90EA-87F8074D3E0D}" type="datetimeFigureOut">
               <a:rPr lang="ko-KR" altLang="en-US" smtClean="0"/>
-              <a:t>2023-01-03</a:t>
+              <a:t>2023-01-04</a:t>
             </a:fld>
             <a:endParaRPr lang="ko-KR" altLang="en-US"/>
           </a:p>
@@ -1133,7 +1144,7 @@
           <a:p>
             <a:fld id="{881C6C38-60F3-4051-90EA-87F8074D3E0D}" type="datetimeFigureOut">
               <a:rPr lang="ko-KR" altLang="en-US" smtClean="0"/>
-              <a:t>2023-01-03</a:t>
+              <a:t>2023-01-04</a:t>
             </a:fld>
             <a:endParaRPr lang="ko-KR" altLang="en-US"/>
           </a:p>
@@ -1398,7 +1409,7 @@
           <a:p>
             <a:fld id="{881C6C38-60F3-4051-90EA-87F8074D3E0D}" type="datetimeFigureOut">
               <a:rPr lang="ko-KR" altLang="en-US" smtClean="0"/>
-              <a:t>2023-01-03</a:t>
+              <a:t>2023-01-04</a:t>
             </a:fld>
             <a:endParaRPr lang="ko-KR" altLang="en-US"/>
           </a:p>
@@ -1810,7 +1821,7 @@
           <a:p>
             <a:fld id="{881C6C38-60F3-4051-90EA-87F8074D3E0D}" type="datetimeFigureOut">
               <a:rPr lang="ko-KR" altLang="en-US" smtClean="0"/>
-              <a:t>2023-01-03</a:t>
+              <a:t>2023-01-04</a:t>
             </a:fld>
             <a:endParaRPr lang="ko-KR" altLang="en-US"/>
           </a:p>
@@ -1951,7 +1962,7 @@
           <a:p>
             <a:fld id="{881C6C38-60F3-4051-90EA-87F8074D3E0D}" type="datetimeFigureOut">
               <a:rPr lang="ko-KR" altLang="en-US" smtClean="0"/>
-              <a:t>2023-01-03</a:t>
+              <a:t>2023-01-04</a:t>
             </a:fld>
             <a:endParaRPr lang="ko-KR" altLang="en-US"/>
           </a:p>
@@ -2064,7 +2075,7 @@
           <a:p>
             <a:fld id="{881C6C38-60F3-4051-90EA-87F8074D3E0D}" type="datetimeFigureOut">
               <a:rPr lang="ko-KR" altLang="en-US" smtClean="0"/>
-              <a:t>2023-01-03</a:t>
+              <a:t>2023-01-04</a:t>
             </a:fld>
             <a:endParaRPr lang="ko-KR" altLang="en-US"/>
           </a:p>
@@ -2375,7 +2386,7 @@
           <a:p>
             <a:fld id="{881C6C38-60F3-4051-90EA-87F8074D3E0D}" type="datetimeFigureOut">
               <a:rPr lang="ko-KR" altLang="en-US" smtClean="0"/>
-              <a:t>2023-01-03</a:t>
+              <a:t>2023-01-04</a:t>
             </a:fld>
             <a:endParaRPr lang="ko-KR" altLang="en-US"/>
           </a:p>
@@ -2663,7 +2674,7 @@
           <a:p>
             <a:fld id="{881C6C38-60F3-4051-90EA-87F8074D3E0D}" type="datetimeFigureOut">
               <a:rPr lang="ko-KR" altLang="en-US" smtClean="0"/>
-              <a:t>2023-01-03</a:t>
+              <a:t>2023-01-04</a:t>
             </a:fld>
             <a:endParaRPr lang="ko-KR" altLang="en-US"/>
           </a:p>
@@ -2904,7 +2915,7 @@
           <a:p>
             <a:fld id="{881C6C38-60F3-4051-90EA-87F8074D3E0D}" type="datetimeFigureOut">
               <a:rPr lang="ko-KR" altLang="en-US" smtClean="0"/>
-              <a:t>2023-01-03</a:t>
+              <a:t>2023-01-04</a:t>
             </a:fld>
             <a:endParaRPr lang="ko-KR" altLang="en-US"/>
           </a:p>
@@ -3350,8 +3361,8 @@
         </p:nvSpPr>
         <p:spPr>
           <a:xfrm>
-            <a:off x="7464614" y="1783959"/>
-            <a:ext cx="4087306" cy="2889114"/>
+            <a:off x="7188051" y="1783959"/>
+            <a:ext cx="4563463" cy="2889114"/>
           </a:xfrm>
         </p:spPr>
         <p:txBody>
@@ -3361,10 +3372,10 @@
           <a:lstStyle/>
           <a:p>
             <a:r>
-              <a:rPr lang="en-US" altLang="ko-KR" sz="2800" dirty="0"/>
-              <a:t>WPF + C# + Naver API </a:t>
-            </a:r>
-            <a:endParaRPr lang="ko-KR" altLang="en-US" sz="2800" dirty="0"/>
+              <a:rPr lang="en-US" altLang="ko-KR" sz="2100" dirty="0"/>
+              <a:t>WPF + C# + Naver API + 11st API</a:t>
+            </a:r>
+            <a:endParaRPr lang="ko-KR" altLang="en-US" sz="2100" dirty="0"/>
           </a:p>
         </p:txBody>
       </p:sp>
@@ -3613,6 +3624,1502 @@
   </p:cSld>
   <p:clrMapOvr>
     <a:overrideClrMapping bg1="dk1" tx1="lt1" bg2="dk2" tx2="lt2" accent1="accent1" accent2="accent2" accent3="accent3" accent4="accent4" accent5="accent5" accent6="accent6" hlink="hlink" folHlink="folHlink"/>
+  </p:clrMapOvr>
+</p:sld>
+</file>
+
+<file path=ppt/slides/slide2.xml><?xml version="1.0" encoding="utf-8"?>
+<p:sld xmlns:a="http://schemas.openxmlformats.org/drawingml/2006/main" xmlns:r="http://schemas.openxmlformats.org/officeDocument/2006/relationships" xmlns:p="http://schemas.openxmlformats.org/presentationml/2006/main">
+  <p:cSld>
+    <p:spTree>
+      <p:nvGrpSpPr>
+        <p:cNvPr id="1" name=""/>
+        <p:cNvGrpSpPr/>
+        <p:nvPr/>
+      </p:nvGrpSpPr>
+      <p:grpSpPr>
+        <a:xfrm>
+          <a:off x="0" y="0"/>
+          <a:ext cx="0" cy="0"/>
+          <a:chOff x="0" y="0"/>
+          <a:chExt cx="0" cy="0"/>
+        </a:xfrm>
+      </p:grpSpPr>
+      <p:sp>
+        <p:nvSpPr>
+          <p:cNvPr id="3" name="부제목 2">
+            <a:extLst>
+              <a:ext uri="{FF2B5EF4-FFF2-40B4-BE49-F238E27FC236}">
+                <a16:creationId xmlns:a16="http://schemas.microsoft.com/office/drawing/2014/main" id="{85F24061-BC8B-0CFD-ECA4-80AAF1BDB073}"/>
+              </a:ext>
+            </a:extLst>
+          </p:cNvPr>
+          <p:cNvSpPr>
+            <a:spLocks noGrp="1"/>
+          </p:cNvSpPr>
+          <p:nvPr>
+            <p:ph type="subTitle" idx="1"/>
+          </p:nvPr>
+        </p:nvSpPr>
+        <p:spPr>
+          <a:xfrm>
+            <a:off x="7464612" y="4750893"/>
+            <a:ext cx="4087305" cy="1147863"/>
+          </a:xfrm>
+        </p:spPr>
+        <p:txBody>
+          <a:bodyPr anchor="t">
+            <a:normAutofit/>
+          </a:bodyPr>
+          <a:lstStyle/>
+          <a:p>
+            <a:r>
+              <a:rPr lang="ko-KR" altLang="en-US" sz="1400" dirty="0"/>
+              <a:t>환경설정 및 </a:t>
+            </a:r>
+            <a:r>
+              <a:rPr lang="en-US" altLang="ko-KR" sz="1400" dirty="0"/>
+              <a:t>API </a:t>
+            </a:r>
+            <a:r>
+              <a:rPr lang="ko-KR" altLang="en-US" sz="1400" dirty="0"/>
+              <a:t>발급</a:t>
+            </a:r>
+          </a:p>
+        </p:txBody>
+      </p:sp>
+      <p:pic>
+        <p:nvPicPr>
+          <p:cNvPr id="7" name="그림 6">
+            <a:extLst>
+              <a:ext uri="{FF2B5EF4-FFF2-40B4-BE49-F238E27FC236}">
+                <a16:creationId xmlns:a16="http://schemas.microsoft.com/office/drawing/2014/main" id="{B1D776FF-576B-3DBE-92A5-D2723D5D9E4B}"/>
+              </a:ext>
+            </a:extLst>
+          </p:cNvPr>
+          <p:cNvPicPr>
+            <a:picLocks noChangeAspect="1"/>
+          </p:cNvPicPr>
+          <p:nvPr/>
+        </p:nvPicPr>
+        <p:blipFill rotWithShape="1">
+          <a:blip r:embed="rId2"/>
+          <a:srcRect l="8756" r="33596"/>
+          <a:stretch/>
+        </p:blipFill>
+        <p:spPr>
+          <a:xfrm>
+            <a:off x="1" y="10"/>
+            <a:ext cx="7028495" cy="6857990"/>
+          </a:xfrm>
+          <a:custGeom>
+            <a:avLst/>
+            <a:gdLst/>
+            <a:ahLst/>
+            <a:cxnLst/>
+            <a:rect l="l" t="t" r="r" b="b"/>
+            <a:pathLst>
+              <a:path w="7028495" h="6858000">
+                <a:moveTo>
+                  <a:pt x="0" y="0"/>
+                </a:moveTo>
+                <a:lnTo>
+                  <a:pt x="6915668" y="0"/>
+                </a:lnTo>
+                <a:lnTo>
+                  <a:pt x="6952411" y="219663"/>
+                </a:lnTo>
+                <a:cubicBezTo>
+                  <a:pt x="7002551" y="569921"/>
+                  <a:pt x="7028495" y="927986"/>
+                  <a:pt x="7028495" y="1292112"/>
+                </a:cubicBezTo>
+                <a:cubicBezTo>
+                  <a:pt x="7028495" y="3343346"/>
+                  <a:pt x="6205186" y="5202289"/>
+                  <a:pt x="4870994" y="6556512"/>
+                </a:cubicBezTo>
+                <a:lnTo>
+                  <a:pt x="4556185" y="6858000"/>
+                </a:lnTo>
+                <a:lnTo>
+                  <a:pt x="0" y="6858000"/>
+                </a:lnTo>
+                <a:close/>
+              </a:path>
+            </a:pathLst>
+          </a:custGeom>
+        </p:spPr>
+      </p:pic>
+      <p:sp>
+        <p:nvSpPr>
+          <p:cNvPr id="6" name="제목 1">
+            <a:extLst>
+              <a:ext uri="{FF2B5EF4-FFF2-40B4-BE49-F238E27FC236}">
+                <a16:creationId xmlns:a16="http://schemas.microsoft.com/office/drawing/2014/main" id="{DEAE0960-BCC0-BE72-F676-4166CE6C1E7F}"/>
+              </a:ext>
+            </a:extLst>
+          </p:cNvPr>
+          <p:cNvSpPr txBox="1">
+            <a:spLocks/>
+          </p:cNvSpPr>
+          <p:nvPr/>
+        </p:nvSpPr>
+        <p:spPr>
+          <a:xfrm>
+            <a:off x="7188051" y="1783959"/>
+            <a:ext cx="4563463" cy="2889114"/>
+          </a:xfrm>
+          <a:prstGeom prst="rect">
+            <a:avLst/>
+          </a:prstGeom>
+        </p:spPr>
+        <p:txBody>
+          <a:bodyPr vert="horz" lIns="91440" tIns="45720" rIns="91440" bIns="45720" rtlCol="0" anchor="b">
+            <a:normAutofit/>
+          </a:bodyPr>
+          <a:lstStyle>
+            <a:lvl1pPr algn="ctr" defTabSz="914400" rtl="0" eaLnBrk="1" latinLnBrk="1" hangingPunct="1">
+              <a:lnSpc>
+                <a:spcPct val="90000"/>
+              </a:lnSpc>
+              <a:spcBef>
+                <a:spcPct val="0"/>
+              </a:spcBef>
+              <a:buNone/>
+              <a:defRPr sz="6000" kern="1200">
+                <a:solidFill>
+                  <a:schemeClr val="tx1"/>
+                </a:solidFill>
+                <a:latin typeface="+mj-lt"/>
+                <a:ea typeface="+mj-ea"/>
+                <a:cs typeface="+mj-cs"/>
+              </a:defRPr>
+            </a:lvl1pPr>
+          </a:lstStyle>
+          <a:p>
+            <a:r>
+              <a:rPr lang="en-US" altLang="ko-KR" sz="2100"/>
+              <a:t>WPF + C# + Naver API + 11st API</a:t>
+            </a:r>
+            <a:endParaRPr lang="ko-KR" altLang="en-US" sz="2100" dirty="0"/>
+          </a:p>
+        </p:txBody>
+      </p:sp>
+    </p:spTree>
+    <p:extLst>
+      <p:ext uri="{BB962C8B-B14F-4D97-AF65-F5344CB8AC3E}">
+        <p14:creationId xmlns:p14="http://schemas.microsoft.com/office/powerpoint/2010/main" val="3478427852"/>
+      </p:ext>
+    </p:extLst>
+  </p:cSld>
+  <p:clrMapOvr>
+    <a:masterClrMapping/>
+  </p:clrMapOvr>
+</p:sld>
+</file>
+
+<file path=ppt/slides/slide3.xml><?xml version="1.0" encoding="utf-8"?>
+<p:sld xmlns:a="http://schemas.openxmlformats.org/drawingml/2006/main" xmlns:r="http://schemas.openxmlformats.org/officeDocument/2006/relationships" xmlns:p="http://schemas.openxmlformats.org/presentationml/2006/main">
+  <p:cSld>
+    <p:spTree>
+      <p:nvGrpSpPr>
+        <p:cNvPr id="1" name=""/>
+        <p:cNvGrpSpPr/>
+        <p:nvPr/>
+      </p:nvGrpSpPr>
+      <p:grpSpPr>
+        <a:xfrm>
+          <a:off x="0" y="0"/>
+          <a:ext cx="0" cy="0"/>
+          <a:chOff x="0" y="0"/>
+          <a:chExt cx="0" cy="0"/>
+        </a:xfrm>
+      </p:grpSpPr>
+      <p:sp>
+        <p:nvSpPr>
+          <p:cNvPr id="9" name="TextBox 8">
+            <a:extLst>
+              <a:ext uri="{FF2B5EF4-FFF2-40B4-BE49-F238E27FC236}">
+                <a16:creationId xmlns:a16="http://schemas.microsoft.com/office/drawing/2014/main" id="{47D681B3-092D-691D-0F2C-612031FD00BA}"/>
+              </a:ext>
+            </a:extLst>
+          </p:cNvPr>
+          <p:cNvSpPr txBox="1"/>
+          <p:nvPr/>
+        </p:nvSpPr>
+        <p:spPr>
+          <a:xfrm>
+            <a:off x="300866" y="756627"/>
+            <a:ext cx="4134273" cy="369332"/>
+          </a:xfrm>
+          <a:prstGeom prst="rect">
+            <a:avLst/>
+          </a:prstGeom>
+          <a:noFill/>
+        </p:spPr>
+        <p:txBody>
+          <a:bodyPr wrap="none" rtlCol="0">
+            <a:spAutoFit/>
+          </a:bodyPr>
+          <a:lstStyle/>
+          <a:p>
+            <a:r>
+              <a:rPr lang="en-US" altLang="ko-KR" dirty="0">
+                <a:solidFill>
+                  <a:srgbClr val="FF0000"/>
+                </a:solidFill>
+              </a:rPr>
+              <a:t>https://visualstudio.microsoft.com/ko/</a:t>
+            </a:r>
+            <a:endParaRPr lang="ko-KR" altLang="en-US" dirty="0">
+              <a:solidFill>
+                <a:srgbClr val="FF0000"/>
+              </a:solidFill>
+            </a:endParaRPr>
+          </a:p>
+        </p:txBody>
+      </p:sp>
+      <p:sp>
+        <p:nvSpPr>
+          <p:cNvPr id="15" name="TextBox 14">
+            <a:extLst>
+              <a:ext uri="{FF2B5EF4-FFF2-40B4-BE49-F238E27FC236}">
+                <a16:creationId xmlns:a16="http://schemas.microsoft.com/office/drawing/2014/main" id="{82E003A6-B235-E613-D337-12C6E9449C03}"/>
+              </a:ext>
+            </a:extLst>
+          </p:cNvPr>
+          <p:cNvSpPr txBox="1"/>
+          <p:nvPr/>
+        </p:nvSpPr>
+        <p:spPr>
+          <a:xfrm>
+            <a:off x="199533" y="224536"/>
+            <a:ext cx="4058057" cy="523220"/>
+          </a:xfrm>
+          <a:prstGeom prst="rect">
+            <a:avLst/>
+          </a:prstGeom>
+          <a:noFill/>
+        </p:spPr>
+        <p:txBody>
+          <a:bodyPr wrap="square" rtlCol="0">
+            <a:spAutoFit/>
+          </a:bodyPr>
+          <a:lstStyle/>
+          <a:p>
+            <a:r>
+              <a:rPr lang="en-US" altLang="ko-KR" sz="2800"/>
+              <a:t>Visual Studio </a:t>
+            </a:r>
+            <a:r>
+              <a:rPr lang="ko-KR" altLang="en-US" sz="2800" dirty="0"/>
+              <a:t>다운로드</a:t>
+            </a:r>
+          </a:p>
+        </p:txBody>
+      </p:sp>
+      <p:pic>
+        <p:nvPicPr>
+          <p:cNvPr id="17" name="그림 16">
+            <a:extLst>
+              <a:ext uri="{FF2B5EF4-FFF2-40B4-BE49-F238E27FC236}">
+                <a16:creationId xmlns:a16="http://schemas.microsoft.com/office/drawing/2014/main" id="{C6B9EE92-81EE-DB7F-C821-10A92B812AFA}"/>
+              </a:ext>
+            </a:extLst>
+          </p:cNvPr>
+          <p:cNvPicPr>
+            <a:picLocks noChangeAspect="1"/>
+          </p:cNvPicPr>
+          <p:nvPr/>
+        </p:nvPicPr>
+        <p:blipFill>
+          <a:blip r:embed="rId2"/>
+          <a:stretch>
+            <a:fillRect/>
+          </a:stretch>
+        </p:blipFill>
+        <p:spPr>
+          <a:xfrm>
+            <a:off x="293572" y="1464360"/>
+            <a:ext cx="2281900" cy="2351048"/>
+          </a:xfrm>
+          <a:prstGeom prst="rect">
+            <a:avLst/>
+          </a:prstGeom>
+        </p:spPr>
+      </p:pic>
+      <p:pic>
+        <p:nvPicPr>
+          <p:cNvPr id="19" name="그림 18">
+            <a:extLst>
+              <a:ext uri="{FF2B5EF4-FFF2-40B4-BE49-F238E27FC236}">
+                <a16:creationId xmlns:a16="http://schemas.microsoft.com/office/drawing/2014/main" id="{EECE05B7-62E5-8F4E-B2BD-6592763E7126}"/>
+              </a:ext>
+            </a:extLst>
+          </p:cNvPr>
+          <p:cNvPicPr>
+            <a:picLocks noChangeAspect="1"/>
+          </p:cNvPicPr>
+          <p:nvPr/>
+        </p:nvPicPr>
+        <p:blipFill>
+          <a:blip r:embed="rId3"/>
+          <a:stretch>
+            <a:fillRect/>
+          </a:stretch>
+        </p:blipFill>
+        <p:spPr>
+          <a:xfrm>
+            <a:off x="2678848" y="1501386"/>
+            <a:ext cx="2090888" cy="3855228"/>
+          </a:xfrm>
+          <a:prstGeom prst="rect">
+            <a:avLst/>
+          </a:prstGeom>
+        </p:spPr>
+      </p:pic>
+      <p:pic>
+        <p:nvPicPr>
+          <p:cNvPr id="21" name="그림 20">
+            <a:extLst>
+              <a:ext uri="{FF2B5EF4-FFF2-40B4-BE49-F238E27FC236}">
+                <a16:creationId xmlns:a16="http://schemas.microsoft.com/office/drawing/2014/main" id="{202423DD-D8D1-EC2C-E238-90A5DF076B64}"/>
+              </a:ext>
+            </a:extLst>
+          </p:cNvPr>
+          <p:cNvPicPr>
+            <a:picLocks noChangeAspect="1"/>
+          </p:cNvPicPr>
+          <p:nvPr/>
+        </p:nvPicPr>
+        <p:blipFill>
+          <a:blip r:embed="rId4"/>
+          <a:stretch>
+            <a:fillRect/>
+          </a:stretch>
+        </p:blipFill>
+        <p:spPr>
+          <a:xfrm>
+            <a:off x="4819371" y="1501386"/>
+            <a:ext cx="5577256" cy="2682731"/>
+          </a:xfrm>
+          <a:prstGeom prst="rect">
+            <a:avLst/>
+          </a:prstGeom>
+        </p:spPr>
+      </p:pic>
+    </p:spTree>
+    <p:extLst>
+      <p:ext uri="{BB962C8B-B14F-4D97-AF65-F5344CB8AC3E}">
+        <p14:creationId xmlns:p14="http://schemas.microsoft.com/office/powerpoint/2010/main" val="844553399"/>
+      </p:ext>
+    </p:extLst>
+  </p:cSld>
+  <p:clrMapOvr>
+    <a:masterClrMapping/>
+  </p:clrMapOvr>
+</p:sld>
+</file>
+
+<file path=ppt/slides/slide4.xml><?xml version="1.0" encoding="utf-8"?>
+<p:sld xmlns:a="http://schemas.openxmlformats.org/drawingml/2006/main" xmlns:r="http://schemas.openxmlformats.org/officeDocument/2006/relationships" xmlns:p="http://schemas.openxmlformats.org/presentationml/2006/main">
+  <p:cSld>
+    <p:spTree>
+      <p:nvGrpSpPr>
+        <p:cNvPr id="1" name=""/>
+        <p:cNvGrpSpPr/>
+        <p:nvPr/>
+      </p:nvGrpSpPr>
+      <p:grpSpPr>
+        <a:xfrm>
+          <a:off x="0" y="0"/>
+          <a:ext cx="0" cy="0"/>
+          <a:chOff x="0" y="0"/>
+          <a:chExt cx="0" cy="0"/>
+        </a:xfrm>
+      </p:grpSpPr>
+      <p:sp>
+        <p:nvSpPr>
+          <p:cNvPr id="9" name="TextBox 8">
+            <a:extLst>
+              <a:ext uri="{FF2B5EF4-FFF2-40B4-BE49-F238E27FC236}">
+                <a16:creationId xmlns:a16="http://schemas.microsoft.com/office/drawing/2014/main" id="{47D681B3-092D-691D-0F2C-612031FD00BA}"/>
+              </a:ext>
+            </a:extLst>
+          </p:cNvPr>
+          <p:cNvSpPr txBox="1"/>
+          <p:nvPr/>
+        </p:nvSpPr>
+        <p:spPr>
+          <a:xfrm>
+            <a:off x="300866" y="756627"/>
+            <a:ext cx="4134273" cy="369332"/>
+          </a:xfrm>
+          <a:prstGeom prst="rect">
+            <a:avLst/>
+          </a:prstGeom>
+          <a:noFill/>
+        </p:spPr>
+        <p:txBody>
+          <a:bodyPr wrap="none" rtlCol="0">
+            <a:spAutoFit/>
+          </a:bodyPr>
+          <a:lstStyle/>
+          <a:p>
+            <a:r>
+              <a:rPr lang="en-US" altLang="ko-KR" dirty="0">
+                <a:solidFill>
+                  <a:srgbClr val="FF0000"/>
+                </a:solidFill>
+              </a:rPr>
+              <a:t>https://visualstudio.microsoft.com/ko/</a:t>
+            </a:r>
+            <a:endParaRPr lang="ko-KR" altLang="en-US" dirty="0">
+              <a:solidFill>
+                <a:srgbClr val="FF0000"/>
+              </a:solidFill>
+            </a:endParaRPr>
+          </a:p>
+        </p:txBody>
+      </p:sp>
+      <p:sp>
+        <p:nvSpPr>
+          <p:cNvPr id="15" name="TextBox 14">
+            <a:extLst>
+              <a:ext uri="{FF2B5EF4-FFF2-40B4-BE49-F238E27FC236}">
+                <a16:creationId xmlns:a16="http://schemas.microsoft.com/office/drawing/2014/main" id="{82E003A6-B235-E613-D337-12C6E9449C03}"/>
+              </a:ext>
+            </a:extLst>
+          </p:cNvPr>
+          <p:cNvSpPr txBox="1"/>
+          <p:nvPr/>
+        </p:nvSpPr>
+        <p:spPr>
+          <a:xfrm>
+            <a:off x="199533" y="224536"/>
+            <a:ext cx="4058057" cy="523220"/>
+          </a:xfrm>
+          <a:prstGeom prst="rect">
+            <a:avLst/>
+          </a:prstGeom>
+          <a:noFill/>
+        </p:spPr>
+        <p:txBody>
+          <a:bodyPr wrap="square" rtlCol="0">
+            <a:spAutoFit/>
+          </a:bodyPr>
+          <a:lstStyle/>
+          <a:p>
+            <a:r>
+              <a:rPr lang="en-US" altLang="ko-KR" sz="2800"/>
+              <a:t>Visual Studio </a:t>
+            </a:r>
+            <a:r>
+              <a:rPr lang="ko-KR" altLang="en-US" sz="2800" dirty="0"/>
+              <a:t>다운로드</a:t>
+            </a:r>
+          </a:p>
+        </p:txBody>
+      </p:sp>
+      <p:pic>
+        <p:nvPicPr>
+          <p:cNvPr id="23" name="그림 22">
+            <a:extLst>
+              <a:ext uri="{FF2B5EF4-FFF2-40B4-BE49-F238E27FC236}">
+                <a16:creationId xmlns:a16="http://schemas.microsoft.com/office/drawing/2014/main" id="{B7986E81-DFB6-5A29-ED6B-2942439463DC}"/>
+              </a:ext>
+            </a:extLst>
+          </p:cNvPr>
+          <p:cNvPicPr>
+            <a:picLocks noChangeAspect="1"/>
+          </p:cNvPicPr>
+          <p:nvPr/>
+        </p:nvPicPr>
+        <p:blipFill>
+          <a:blip r:embed="rId2"/>
+          <a:stretch>
+            <a:fillRect/>
+          </a:stretch>
+        </p:blipFill>
+        <p:spPr>
+          <a:xfrm>
+            <a:off x="1498034" y="1291958"/>
+            <a:ext cx="7740355" cy="5403135"/>
+          </a:xfrm>
+          <a:prstGeom prst="rect">
+            <a:avLst/>
+          </a:prstGeom>
+        </p:spPr>
+      </p:pic>
+    </p:spTree>
+    <p:extLst>
+      <p:ext uri="{BB962C8B-B14F-4D97-AF65-F5344CB8AC3E}">
+        <p14:creationId xmlns:p14="http://schemas.microsoft.com/office/powerpoint/2010/main" val="2142630776"/>
+      </p:ext>
+    </p:extLst>
+  </p:cSld>
+  <p:clrMapOvr>
+    <a:masterClrMapping/>
+  </p:clrMapOvr>
+</p:sld>
+</file>
+
+<file path=ppt/slides/slide5.xml><?xml version="1.0" encoding="utf-8"?>
+<p:sld xmlns:a="http://schemas.openxmlformats.org/drawingml/2006/main" xmlns:r="http://schemas.openxmlformats.org/officeDocument/2006/relationships" xmlns:p="http://schemas.openxmlformats.org/presentationml/2006/main">
+  <p:cSld>
+    <p:spTree>
+      <p:nvGrpSpPr>
+        <p:cNvPr id="1" name=""/>
+        <p:cNvGrpSpPr/>
+        <p:nvPr/>
+      </p:nvGrpSpPr>
+      <p:grpSpPr>
+        <a:xfrm>
+          <a:off x="0" y="0"/>
+          <a:ext cx="0" cy="0"/>
+          <a:chOff x="0" y="0"/>
+          <a:chExt cx="0" cy="0"/>
+        </a:xfrm>
+      </p:grpSpPr>
+      <p:grpSp>
+        <p:nvGrpSpPr>
+          <p:cNvPr id="14" name="그룹 13">
+            <a:extLst>
+              <a:ext uri="{FF2B5EF4-FFF2-40B4-BE49-F238E27FC236}">
+                <a16:creationId xmlns:a16="http://schemas.microsoft.com/office/drawing/2014/main" id="{9AFD4420-DBD5-CFC7-2AA4-8648B8601D45}"/>
+              </a:ext>
+            </a:extLst>
+          </p:cNvPr>
+          <p:cNvGrpSpPr/>
+          <p:nvPr/>
+        </p:nvGrpSpPr>
+        <p:grpSpPr>
+          <a:xfrm>
+            <a:off x="4940447" y="1516134"/>
+            <a:ext cx="6950687" cy="3945686"/>
+            <a:chOff x="2372384" y="1161096"/>
+            <a:chExt cx="9563258" cy="5103036"/>
+          </a:xfrm>
+        </p:grpSpPr>
+        <p:pic>
+          <p:nvPicPr>
+            <p:cNvPr id="3" name="그림 2">
+              <a:extLst>
+                <a:ext uri="{FF2B5EF4-FFF2-40B4-BE49-F238E27FC236}">
+                  <a16:creationId xmlns:a16="http://schemas.microsoft.com/office/drawing/2014/main" id="{CCD40F87-C6FC-976E-9BFB-CD48F3843ADE}"/>
+                </a:ext>
+              </a:extLst>
+            </p:cNvPr>
+            <p:cNvPicPr>
+              <a:picLocks noChangeAspect="1"/>
+            </p:cNvPicPr>
+            <p:nvPr/>
+          </p:nvPicPr>
+          <p:blipFill>
+            <a:blip r:embed="rId2"/>
+            <a:stretch>
+              <a:fillRect/>
+            </a:stretch>
+          </p:blipFill>
+          <p:spPr>
+            <a:xfrm>
+              <a:off x="2372384" y="1161096"/>
+              <a:ext cx="9563258" cy="5103036"/>
+            </a:xfrm>
+            <a:prstGeom prst="rect">
+              <a:avLst/>
+            </a:prstGeom>
+          </p:spPr>
+        </p:pic>
+        <p:sp>
+          <p:nvSpPr>
+            <p:cNvPr id="4" name="직사각형 3">
+              <a:extLst>
+                <a:ext uri="{FF2B5EF4-FFF2-40B4-BE49-F238E27FC236}">
+                  <a16:creationId xmlns:a16="http://schemas.microsoft.com/office/drawing/2014/main" id="{6DC38F68-8681-076A-4FA6-28D56DCBFD5E}"/>
+                </a:ext>
+              </a:extLst>
+            </p:cNvPr>
+            <p:cNvSpPr/>
+            <p:nvPr/>
+          </p:nvSpPr>
+          <p:spPr>
+            <a:xfrm>
+              <a:off x="9651344" y="1232966"/>
+              <a:ext cx="961594" cy="165182"/>
+            </a:xfrm>
+            <a:prstGeom prst="rect">
+              <a:avLst/>
+            </a:prstGeom>
+          </p:spPr>
+          <p:style>
+            <a:lnRef idx="2">
+              <a:schemeClr val="accent1">
+                <a:shade val="50000"/>
+              </a:schemeClr>
+            </a:lnRef>
+            <a:fillRef idx="1">
+              <a:schemeClr val="accent1"/>
+            </a:fillRef>
+            <a:effectRef idx="0">
+              <a:schemeClr val="accent1"/>
+            </a:effectRef>
+            <a:fontRef idx="minor">
+              <a:schemeClr val="lt1"/>
+            </a:fontRef>
+          </p:style>
+          <p:txBody>
+            <a:bodyPr rtlCol="0" anchor="ctr"/>
+            <a:lstStyle/>
+            <a:p>
+              <a:pPr algn="ctr"/>
+              <a:endParaRPr lang="ko-KR" altLang="en-US"/>
+            </a:p>
+          </p:txBody>
+        </p:sp>
+        <p:sp>
+          <p:nvSpPr>
+            <p:cNvPr id="5" name="직사각형 4">
+              <a:extLst>
+                <a:ext uri="{FF2B5EF4-FFF2-40B4-BE49-F238E27FC236}">
+                  <a16:creationId xmlns:a16="http://schemas.microsoft.com/office/drawing/2014/main" id="{DEB77E7E-AE42-4AB3-A95B-DF388677370E}"/>
+                </a:ext>
+              </a:extLst>
+            </p:cNvPr>
+            <p:cNvSpPr/>
+            <p:nvPr/>
+          </p:nvSpPr>
+          <p:spPr>
+            <a:xfrm>
+              <a:off x="3659251" y="3823882"/>
+              <a:ext cx="670875" cy="180798"/>
+            </a:xfrm>
+            <a:prstGeom prst="rect">
+              <a:avLst/>
+            </a:prstGeom>
+          </p:spPr>
+          <p:style>
+            <a:lnRef idx="2">
+              <a:schemeClr val="accent1">
+                <a:shade val="50000"/>
+              </a:schemeClr>
+            </a:lnRef>
+            <a:fillRef idx="1">
+              <a:schemeClr val="accent1"/>
+            </a:fillRef>
+            <a:effectRef idx="0">
+              <a:schemeClr val="accent1"/>
+            </a:effectRef>
+            <a:fontRef idx="minor">
+              <a:schemeClr val="lt1"/>
+            </a:fontRef>
+          </p:style>
+          <p:txBody>
+            <a:bodyPr rtlCol="0" anchor="ctr"/>
+            <a:lstStyle/>
+            <a:p>
+              <a:pPr algn="ctr"/>
+              <a:endParaRPr lang="ko-KR" altLang="en-US"/>
+            </a:p>
+          </p:txBody>
+        </p:sp>
+        <p:sp>
+          <p:nvSpPr>
+            <p:cNvPr id="6" name="직사각형 5">
+              <a:extLst>
+                <a:ext uri="{FF2B5EF4-FFF2-40B4-BE49-F238E27FC236}">
+                  <a16:creationId xmlns:a16="http://schemas.microsoft.com/office/drawing/2014/main" id="{2B397C59-1F60-8951-7ABC-112EC776101E}"/>
+                </a:ext>
+              </a:extLst>
+            </p:cNvPr>
+            <p:cNvSpPr/>
+            <p:nvPr/>
+          </p:nvSpPr>
+          <p:spPr>
+            <a:xfrm>
+              <a:off x="4978072" y="4700803"/>
+              <a:ext cx="4755863" cy="165182"/>
+            </a:xfrm>
+            <a:prstGeom prst="rect">
+              <a:avLst/>
+            </a:prstGeom>
+          </p:spPr>
+          <p:style>
+            <a:lnRef idx="2">
+              <a:schemeClr val="accent1">
+                <a:shade val="50000"/>
+              </a:schemeClr>
+            </a:lnRef>
+            <a:fillRef idx="1">
+              <a:schemeClr val="accent1"/>
+            </a:fillRef>
+            <a:effectRef idx="0">
+              <a:schemeClr val="accent1"/>
+            </a:effectRef>
+            <a:fontRef idx="minor">
+              <a:schemeClr val="lt1"/>
+            </a:fontRef>
+          </p:style>
+          <p:txBody>
+            <a:bodyPr rtlCol="0" anchor="ctr"/>
+            <a:lstStyle/>
+            <a:p>
+              <a:pPr algn="ctr"/>
+              <a:endParaRPr lang="ko-KR" altLang="en-US"/>
+            </a:p>
+          </p:txBody>
+        </p:sp>
+        <p:sp>
+          <p:nvSpPr>
+            <p:cNvPr id="8" name="직사각형 7">
+              <a:extLst>
+                <a:ext uri="{FF2B5EF4-FFF2-40B4-BE49-F238E27FC236}">
+                  <a16:creationId xmlns:a16="http://schemas.microsoft.com/office/drawing/2014/main" id="{0631E4C2-2B50-7685-DF1B-23CBDFA994BD}"/>
+                </a:ext>
+              </a:extLst>
+            </p:cNvPr>
+            <p:cNvSpPr/>
+            <p:nvPr/>
+          </p:nvSpPr>
+          <p:spPr>
+            <a:xfrm>
+              <a:off x="5349731" y="5019368"/>
+              <a:ext cx="3251527" cy="165182"/>
+            </a:xfrm>
+            <a:prstGeom prst="rect">
+              <a:avLst/>
+            </a:prstGeom>
+          </p:spPr>
+          <p:style>
+            <a:lnRef idx="2">
+              <a:schemeClr val="accent1">
+                <a:shade val="50000"/>
+              </a:schemeClr>
+            </a:lnRef>
+            <a:fillRef idx="1">
+              <a:schemeClr val="accent1"/>
+            </a:fillRef>
+            <a:effectRef idx="0">
+              <a:schemeClr val="accent1"/>
+            </a:effectRef>
+            <a:fontRef idx="minor">
+              <a:schemeClr val="lt1"/>
+            </a:fontRef>
+          </p:style>
+          <p:txBody>
+            <a:bodyPr rtlCol="0" anchor="ctr"/>
+            <a:lstStyle/>
+            <a:p>
+              <a:pPr algn="ctr"/>
+              <a:endParaRPr lang="ko-KR" altLang="en-US"/>
+            </a:p>
+          </p:txBody>
+        </p:sp>
+      </p:grpSp>
+      <p:sp>
+        <p:nvSpPr>
+          <p:cNvPr id="9" name="TextBox 8">
+            <a:extLst>
+              <a:ext uri="{FF2B5EF4-FFF2-40B4-BE49-F238E27FC236}">
+                <a16:creationId xmlns:a16="http://schemas.microsoft.com/office/drawing/2014/main" id="{47D681B3-092D-691D-0F2C-612031FD00BA}"/>
+              </a:ext>
+            </a:extLst>
+          </p:cNvPr>
+          <p:cNvSpPr txBox="1"/>
+          <p:nvPr/>
+        </p:nvSpPr>
+        <p:spPr>
+          <a:xfrm>
+            <a:off x="300866" y="756627"/>
+            <a:ext cx="3956724" cy="369332"/>
+          </a:xfrm>
+          <a:prstGeom prst="rect">
+            <a:avLst/>
+          </a:prstGeom>
+          <a:noFill/>
+        </p:spPr>
+        <p:txBody>
+          <a:bodyPr wrap="none" rtlCol="0">
+            <a:spAutoFit/>
+          </a:bodyPr>
+          <a:lstStyle/>
+          <a:p>
+            <a:r>
+              <a:rPr lang="en-US" altLang="ko-KR" dirty="0">
+                <a:solidFill>
+                  <a:srgbClr val="FF0000"/>
+                </a:solidFill>
+              </a:rPr>
+              <a:t>https://manage.searchad.naver.com/</a:t>
+            </a:r>
+            <a:endParaRPr lang="ko-KR" altLang="en-US" dirty="0">
+              <a:solidFill>
+                <a:srgbClr val="FF0000"/>
+              </a:solidFill>
+            </a:endParaRPr>
+          </a:p>
+        </p:txBody>
+      </p:sp>
+      <p:pic>
+        <p:nvPicPr>
+          <p:cNvPr id="11" name="그림 10">
+            <a:extLst>
+              <a:ext uri="{FF2B5EF4-FFF2-40B4-BE49-F238E27FC236}">
+                <a16:creationId xmlns:a16="http://schemas.microsoft.com/office/drawing/2014/main" id="{D5ACDD60-9272-DF6D-3606-C15BDF94BE50}"/>
+              </a:ext>
+            </a:extLst>
+          </p:cNvPr>
+          <p:cNvPicPr>
+            <a:picLocks noChangeAspect="1"/>
+          </p:cNvPicPr>
+          <p:nvPr/>
+        </p:nvPicPr>
+        <p:blipFill>
+          <a:blip r:embed="rId3"/>
+          <a:stretch>
+            <a:fillRect/>
+          </a:stretch>
+        </p:blipFill>
+        <p:spPr>
+          <a:xfrm>
+            <a:off x="300866" y="1462987"/>
+            <a:ext cx="1645920" cy="4051979"/>
+          </a:xfrm>
+          <a:prstGeom prst="rect">
+            <a:avLst/>
+          </a:prstGeom>
+        </p:spPr>
+      </p:pic>
+      <p:pic>
+        <p:nvPicPr>
+          <p:cNvPr id="13" name="그림 12">
+            <a:extLst>
+              <a:ext uri="{FF2B5EF4-FFF2-40B4-BE49-F238E27FC236}">
+                <a16:creationId xmlns:a16="http://schemas.microsoft.com/office/drawing/2014/main" id="{F6D0FCCA-51B1-C161-7BDB-37650F0E3336}"/>
+              </a:ext>
+            </a:extLst>
+          </p:cNvPr>
+          <p:cNvPicPr>
+            <a:picLocks noChangeAspect="1"/>
+          </p:cNvPicPr>
+          <p:nvPr/>
+        </p:nvPicPr>
+        <p:blipFill>
+          <a:blip r:embed="rId4"/>
+          <a:stretch>
+            <a:fillRect/>
+          </a:stretch>
+        </p:blipFill>
+        <p:spPr>
+          <a:xfrm>
+            <a:off x="2325509" y="3244569"/>
+            <a:ext cx="2236215" cy="842881"/>
+          </a:xfrm>
+          <a:prstGeom prst="rect">
+            <a:avLst/>
+          </a:prstGeom>
+        </p:spPr>
+      </p:pic>
+      <p:sp>
+        <p:nvSpPr>
+          <p:cNvPr id="15" name="TextBox 14">
+            <a:extLst>
+              <a:ext uri="{FF2B5EF4-FFF2-40B4-BE49-F238E27FC236}">
+                <a16:creationId xmlns:a16="http://schemas.microsoft.com/office/drawing/2014/main" id="{82E003A6-B235-E613-D337-12C6E9449C03}"/>
+              </a:ext>
+            </a:extLst>
+          </p:cNvPr>
+          <p:cNvSpPr txBox="1"/>
+          <p:nvPr/>
+        </p:nvSpPr>
+        <p:spPr>
+          <a:xfrm>
+            <a:off x="199533" y="224536"/>
+            <a:ext cx="3404973" cy="523220"/>
+          </a:xfrm>
+          <a:prstGeom prst="rect">
+            <a:avLst/>
+          </a:prstGeom>
+          <a:noFill/>
+        </p:spPr>
+        <p:txBody>
+          <a:bodyPr wrap="square" rtlCol="0">
+            <a:spAutoFit/>
+          </a:bodyPr>
+          <a:lstStyle/>
+          <a:p>
+            <a:r>
+              <a:rPr lang="ko-KR" altLang="en-US" sz="2800" dirty="0"/>
+              <a:t>네이버 광고 </a:t>
+            </a:r>
+            <a:r>
+              <a:rPr lang="en-US" altLang="ko-KR" sz="2800" dirty="0"/>
+              <a:t>API</a:t>
+            </a:r>
+            <a:endParaRPr lang="ko-KR" altLang="en-US" sz="2800" dirty="0"/>
+          </a:p>
+        </p:txBody>
+      </p:sp>
+    </p:spTree>
+    <p:extLst>
+      <p:ext uri="{BB962C8B-B14F-4D97-AF65-F5344CB8AC3E}">
+        <p14:creationId xmlns:p14="http://schemas.microsoft.com/office/powerpoint/2010/main" val="119271032"/>
+      </p:ext>
+    </p:extLst>
+  </p:cSld>
+  <p:clrMapOvr>
+    <a:masterClrMapping/>
+  </p:clrMapOvr>
+</p:sld>
+</file>
+
+<file path=ppt/slides/slide6.xml><?xml version="1.0" encoding="utf-8"?>
+<p:sld xmlns:a="http://schemas.openxmlformats.org/drawingml/2006/main" xmlns:r="http://schemas.openxmlformats.org/officeDocument/2006/relationships" xmlns:p="http://schemas.openxmlformats.org/presentationml/2006/main">
+  <p:cSld>
+    <p:spTree>
+      <p:nvGrpSpPr>
+        <p:cNvPr id="1" name=""/>
+        <p:cNvGrpSpPr/>
+        <p:nvPr/>
+      </p:nvGrpSpPr>
+      <p:grpSpPr>
+        <a:xfrm>
+          <a:off x="0" y="0"/>
+          <a:ext cx="0" cy="0"/>
+          <a:chOff x="0" y="0"/>
+          <a:chExt cx="0" cy="0"/>
+        </a:xfrm>
+      </p:grpSpPr>
+      <p:pic>
+        <p:nvPicPr>
+          <p:cNvPr id="19" name="그림 18">
+            <a:extLst>
+              <a:ext uri="{FF2B5EF4-FFF2-40B4-BE49-F238E27FC236}">
+                <a16:creationId xmlns:a16="http://schemas.microsoft.com/office/drawing/2014/main" id="{8EEE5040-430E-1072-CFA5-4ECBC583BFBF}"/>
+              </a:ext>
+            </a:extLst>
+          </p:cNvPr>
+          <p:cNvPicPr>
+            <a:picLocks noChangeAspect="1"/>
+          </p:cNvPicPr>
+          <p:nvPr/>
+        </p:nvPicPr>
+        <p:blipFill>
+          <a:blip r:embed="rId2"/>
+          <a:stretch>
+            <a:fillRect/>
+          </a:stretch>
+        </p:blipFill>
+        <p:spPr>
+          <a:xfrm>
+            <a:off x="7281771" y="2384413"/>
+            <a:ext cx="4168877" cy="2767013"/>
+          </a:xfrm>
+          <a:prstGeom prst="rect">
+            <a:avLst/>
+          </a:prstGeom>
+        </p:spPr>
+      </p:pic>
+      <p:sp>
+        <p:nvSpPr>
+          <p:cNvPr id="9" name="TextBox 8">
+            <a:extLst>
+              <a:ext uri="{FF2B5EF4-FFF2-40B4-BE49-F238E27FC236}">
+                <a16:creationId xmlns:a16="http://schemas.microsoft.com/office/drawing/2014/main" id="{47D681B3-092D-691D-0F2C-612031FD00BA}"/>
+              </a:ext>
+            </a:extLst>
+          </p:cNvPr>
+          <p:cNvSpPr txBox="1"/>
+          <p:nvPr/>
+        </p:nvSpPr>
+        <p:spPr>
+          <a:xfrm>
+            <a:off x="300866" y="756627"/>
+            <a:ext cx="4386585" cy="369332"/>
+          </a:xfrm>
+          <a:prstGeom prst="rect">
+            <a:avLst/>
+          </a:prstGeom>
+          <a:noFill/>
+        </p:spPr>
+        <p:txBody>
+          <a:bodyPr wrap="none" rtlCol="0">
+            <a:spAutoFit/>
+          </a:bodyPr>
+          <a:lstStyle/>
+          <a:p>
+            <a:r>
+              <a:rPr lang="en-US" altLang="ko-KR" dirty="0">
+                <a:solidFill>
+                  <a:srgbClr val="FF0000"/>
+                </a:solidFill>
+              </a:rPr>
+              <a:t>https://developers.naver.com/apps/#/list</a:t>
+            </a:r>
+            <a:endParaRPr lang="ko-KR" altLang="en-US" dirty="0">
+              <a:solidFill>
+                <a:srgbClr val="FF0000"/>
+              </a:solidFill>
+            </a:endParaRPr>
+          </a:p>
+        </p:txBody>
+      </p:sp>
+      <p:sp>
+        <p:nvSpPr>
+          <p:cNvPr id="15" name="TextBox 14">
+            <a:extLst>
+              <a:ext uri="{FF2B5EF4-FFF2-40B4-BE49-F238E27FC236}">
+                <a16:creationId xmlns:a16="http://schemas.microsoft.com/office/drawing/2014/main" id="{82E003A6-B235-E613-D337-12C6E9449C03}"/>
+              </a:ext>
+            </a:extLst>
+          </p:cNvPr>
+          <p:cNvSpPr txBox="1"/>
+          <p:nvPr/>
+        </p:nvSpPr>
+        <p:spPr>
+          <a:xfrm>
+            <a:off x="199533" y="224536"/>
+            <a:ext cx="3404973" cy="523220"/>
+          </a:xfrm>
+          <a:prstGeom prst="rect">
+            <a:avLst/>
+          </a:prstGeom>
+          <a:noFill/>
+        </p:spPr>
+        <p:txBody>
+          <a:bodyPr wrap="square" rtlCol="0">
+            <a:spAutoFit/>
+          </a:bodyPr>
+          <a:lstStyle/>
+          <a:p>
+            <a:r>
+              <a:rPr lang="ko-KR" altLang="en-US" sz="2800" dirty="0"/>
+              <a:t>네이버 </a:t>
+            </a:r>
+            <a:r>
+              <a:rPr lang="en-US" altLang="ko-KR" sz="2800" dirty="0"/>
+              <a:t>Open API</a:t>
+            </a:r>
+            <a:endParaRPr lang="ko-KR" altLang="en-US" sz="2800" dirty="0"/>
+          </a:p>
+        </p:txBody>
+      </p:sp>
+      <p:pic>
+        <p:nvPicPr>
+          <p:cNvPr id="12" name="그림 11">
+            <a:extLst>
+              <a:ext uri="{FF2B5EF4-FFF2-40B4-BE49-F238E27FC236}">
+                <a16:creationId xmlns:a16="http://schemas.microsoft.com/office/drawing/2014/main" id="{6491C754-B1C8-0A80-5B8F-D0017865245B}"/>
+              </a:ext>
+            </a:extLst>
+          </p:cNvPr>
+          <p:cNvPicPr>
+            <a:picLocks noChangeAspect="1"/>
+          </p:cNvPicPr>
+          <p:nvPr/>
+        </p:nvPicPr>
+        <p:blipFill>
+          <a:blip r:embed="rId3"/>
+          <a:stretch>
+            <a:fillRect/>
+          </a:stretch>
+        </p:blipFill>
+        <p:spPr>
+          <a:xfrm>
+            <a:off x="4311316" y="2384413"/>
+            <a:ext cx="3722550" cy="2889612"/>
+          </a:xfrm>
+          <a:prstGeom prst="rect">
+            <a:avLst/>
+          </a:prstGeom>
+        </p:spPr>
+      </p:pic>
+      <p:pic>
+        <p:nvPicPr>
+          <p:cNvPr id="7" name="그림 6">
+            <a:extLst>
+              <a:ext uri="{FF2B5EF4-FFF2-40B4-BE49-F238E27FC236}">
+                <a16:creationId xmlns:a16="http://schemas.microsoft.com/office/drawing/2014/main" id="{D54F3EBE-51CC-1D9A-8D44-E87E0E02AA3F}"/>
+              </a:ext>
+            </a:extLst>
+          </p:cNvPr>
+          <p:cNvPicPr>
+            <a:picLocks noChangeAspect="1"/>
+          </p:cNvPicPr>
+          <p:nvPr/>
+        </p:nvPicPr>
+        <p:blipFill>
+          <a:blip r:embed="rId4"/>
+          <a:stretch>
+            <a:fillRect/>
+          </a:stretch>
+        </p:blipFill>
+        <p:spPr>
+          <a:xfrm>
+            <a:off x="199533" y="2384413"/>
+            <a:ext cx="4383356" cy="2559248"/>
+          </a:xfrm>
+          <a:prstGeom prst="rect">
+            <a:avLst/>
+          </a:prstGeom>
+        </p:spPr>
+      </p:pic>
+      <p:sp>
+        <p:nvSpPr>
+          <p:cNvPr id="20" name="직사각형 19">
+            <a:extLst>
+              <a:ext uri="{FF2B5EF4-FFF2-40B4-BE49-F238E27FC236}">
+                <a16:creationId xmlns:a16="http://schemas.microsoft.com/office/drawing/2014/main" id="{4A2C72FB-E062-3FC4-3A54-7D41F018F225}"/>
+              </a:ext>
+            </a:extLst>
+          </p:cNvPr>
+          <p:cNvSpPr/>
+          <p:nvPr/>
+        </p:nvSpPr>
+        <p:spPr>
+          <a:xfrm>
+            <a:off x="9366209" y="3274142"/>
+            <a:ext cx="703990" cy="100289"/>
+          </a:xfrm>
+          <a:prstGeom prst="rect">
+            <a:avLst/>
+          </a:prstGeom>
+        </p:spPr>
+        <p:style>
+          <a:lnRef idx="2">
+            <a:schemeClr val="accent1">
+              <a:shade val="50000"/>
+            </a:schemeClr>
+          </a:lnRef>
+          <a:fillRef idx="1">
+            <a:schemeClr val="accent1"/>
+          </a:fillRef>
+          <a:effectRef idx="0">
+            <a:schemeClr val="accent1"/>
+          </a:effectRef>
+          <a:fontRef idx="minor">
+            <a:schemeClr val="lt1"/>
+          </a:fontRef>
+        </p:style>
+        <p:txBody>
+          <a:bodyPr rtlCol="0" anchor="ctr"/>
+          <a:lstStyle/>
+          <a:p>
+            <a:pPr algn="ctr"/>
+            <a:endParaRPr lang="ko-KR" altLang="en-US"/>
+          </a:p>
+        </p:txBody>
+      </p:sp>
+      <p:sp>
+        <p:nvSpPr>
+          <p:cNvPr id="21" name="직사각형 20">
+            <a:extLst>
+              <a:ext uri="{FF2B5EF4-FFF2-40B4-BE49-F238E27FC236}">
+                <a16:creationId xmlns:a16="http://schemas.microsoft.com/office/drawing/2014/main" id="{DA8131D0-5B67-255A-28AD-9593C16FCDA8}"/>
+              </a:ext>
+            </a:extLst>
+          </p:cNvPr>
+          <p:cNvSpPr/>
+          <p:nvPr/>
+        </p:nvSpPr>
+        <p:spPr>
+          <a:xfrm>
+            <a:off x="9366209" y="3498319"/>
+            <a:ext cx="703990" cy="100289"/>
+          </a:xfrm>
+          <a:prstGeom prst="rect">
+            <a:avLst/>
+          </a:prstGeom>
+        </p:spPr>
+        <p:style>
+          <a:lnRef idx="2">
+            <a:schemeClr val="accent1">
+              <a:shade val="50000"/>
+            </a:schemeClr>
+          </a:lnRef>
+          <a:fillRef idx="1">
+            <a:schemeClr val="accent1"/>
+          </a:fillRef>
+          <a:effectRef idx="0">
+            <a:schemeClr val="accent1"/>
+          </a:effectRef>
+          <a:fontRef idx="minor">
+            <a:schemeClr val="lt1"/>
+          </a:fontRef>
+        </p:style>
+        <p:txBody>
+          <a:bodyPr rtlCol="0" anchor="ctr"/>
+          <a:lstStyle/>
+          <a:p>
+            <a:pPr algn="ctr"/>
+            <a:endParaRPr lang="ko-KR" altLang="en-US"/>
+          </a:p>
+        </p:txBody>
+      </p:sp>
+      <p:pic>
+        <p:nvPicPr>
+          <p:cNvPr id="3" name="그림 2">
+            <a:extLst>
+              <a:ext uri="{FF2B5EF4-FFF2-40B4-BE49-F238E27FC236}">
+                <a16:creationId xmlns:a16="http://schemas.microsoft.com/office/drawing/2014/main" id="{6334DFE7-AAF4-7C05-BADE-366C8B505B3F}"/>
+              </a:ext>
+            </a:extLst>
+          </p:cNvPr>
+          <p:cNvPicPr>
+            <a:picLocks noChangeAspect="1"/>
+          </p:cNvPicPr>
+          <p:nvPr/>
+        </p:nvPicPr>
+        <p:blipFill>
+          <a:blip r:embed="rId5"/>
+          <a:stretch>
+            <a:fillRect/>
+          </a:stretch>
+        </p:blipFill>
+        <p:spPr>
+          <a:xfrm>
+            <a:off x="5085243" y="3456447"/>
+            <a:ext cx="3179752" cy="284321"/>
+          </a:xfrm>
+          <a:prstGeom prst="rect">
+            <a:avLst/>
+          </a:prstGeom>
+        </p:spPr>
+      </p:pic>
+    </p:spTree>
+    <p:extLst>
+      <p:ext uri="{BB962C8B-B14F-4D97-AF65-F5344CB8AC3E}">
+        <p14:creationId xmlns:p14="http://schemas.microsoft.com/office/powerpoint/2010/main" val="3807331794"/>
+      </p:ext>
+    </p:extLst>
+  </p:cSld>
+  <p:clrMapOvr>
+    <a:masterClrMapping/>
+  </p:clrMapOvr>
+</p:sld>
+</file>
+
+<file path=ppt/slides/slide7.xml><?xml version="1.0" encoding="utf-8"?>
+<p:sld xmlns:a="http://schemas.openxmlformats.org/drawingml/2006/main" xmlns:r="http://schemas.openxmlformats.org/officeDocument/2006/relationships" xmlns:p="http://schemas.openxmlformats.org/presentationml/2006/main">
+  <p:cSld>
+    <p:spTree>
+      <p:nvGrpSpPr>
+        <p:cNvPr id="1" name=""/>
+        <p:cNvGrpSpPr/>
+        <p:nvPr/>
+      </p:nvGrpSpPr>
+      <p:grpSpPr>
+        <a:xfrm>
+          <a:off x="0" y="0"/>
+          <a:ext cx="0" cy="0"/>
+          <a:chOff x="0" y="0"/>
+          <a:chExt cx="0" cy="0"/>
+        </a:xfrm>
+      </p:grpSpPr>
+      <p:sp>
+        <p:nvSpPr>
+          <p:cNvPr id="9" name="TextBox 8">
+            <a:extLst>
+              <a:ext uri="{FF2B5EF4-FFF2-40B4-BE49-F238E27FC236}">
+                <a16:creationId xmlns:a16="http://schemas.microsoft.com/office/drawing/2014/main" id="{47D681B3-092D-691D-0F2C-612031FD00BA}"/>
+              </a:ext>
+            </a:extLst>
+          </p:cNvPr>
+          <p:cNvSpPr txBox="1"/>
+          <p:nvPr/>
+        </p:nvSpPr>
+        <p:spPr>
+          <a:xfrm>
+            <a:off x="300866" y="756627"/>
+            <a:ext cx="6899261" cy="369332"/>
+          </a:xfrm>
+          <a:prstGeom prst="rect">
+            <a:avLst/>
+          </a:prstGeom>
+          <a:noFill/>
+        </p:spPr>
+        <p:txBody>
+          <a:bodyPr wrap="none" rtlCol="0">
+            <a:spAutoFit/>
+          </a:bodyPr>
+          <a:lstStyle/>
+          <a:p>
+            <a:r>
+              <a:rPr lang="en-US" altLang="ko-KR" dirty="0">
+                <a:solidFill>
+                  <a:srgbClr val="FF0000"/>
+                </a:solidFill>
+              </a:rPr>
+              <a:t>https://openapi.11st.co.kr/openapi/OpenApiServiceRegister.tmall</a:t>
+            </a:r>
+            <a:endParaRPr lang="ko-KR" altLang="en-US" dirty="0">
+              <a:solidFill>
+                <a:srgbClr val="FF0000"/>
+              </a:solidFill>
+            </a:endParaRPr>
+          </a:p>
+        </p:txBody>
+      </p:sp>
+      <p:sp>
+        <p:nvSpPr>
+          <p:cNvPr id="15" name="TextBox 14">
+            <a:extLst>
+              <a:ext uri="{FF2B5EF4-FFF2-40B4-BE49-F238E27FC236}">
+                <a16:creationId xmlns:a16="http://schemas.microsoft.com/office/drawing/2014/main" id="{82E003A6-B235-E613-D337-12C6E9449C03}"/>
+              </a:ext>
+            </a:extLst>
+          </p:cNvPr>
+          <p:cNvSpPr txBox="1"/>
+          <p:nvPr/>
+        </p:nvSpPr>
+        <p:spPr>
+          <a:xfrm>
+            <a:off x="199533" y="224536"/>
+            <a:ext cx="3404973" cy="523220"/>
+          </a:xfrm>
+          <a:prstGeom prst="rect">
+            <a:avLst/>
+          </a:prstGeom>
+          <a:noFill/>
+        </p:spPr>
+        <p:txBody>
+          <a:bodyPr wrap="square" rtlCol="0">
+            <a:spAutoFit/>
+          </a:bodyPr>
+          <a:lstStyle/>
+          <a:p>
+            <a:r>
+              <a:rPr lang="en-US" altLang="ko-KR" sz="2800" dirty="0"/>
+              <a:t>11</a:t>
+            </a:r>
+            <a:r>
+              <a:rPr lang="ko-KR" altLang="en-US" sz="2800" dirty="0"/>
+              <a:t>번가 </a:t>
+            </a:r>
+            <a:r>
+              <a:rPr lang="en-US" altLang="ko-KR" sz="2800" dirty="0"/>
+              <a:t>Open API</a:t>
+            </a:r>
+            <a:endParaRPr lang="ko-KR" altLang="en-US" sz="2800" dirty="0"/>
+          </a:p>
+        </p:txBody>
+      </p:sp>
+      <p:pic>
+        <p:nvPicPr>
+          <p:cNvPr id="3" name="그림 2">
+            <a:extLst>
+              <a:ext uri="{FF2B5EF4-FFF2-40B4-BE49-F238E27FC236}">
+                <a16:creationId xmlns:a16="http://schemas.microsoft.com/office/drawing/2014/main" id="{A3563FDF-D5E8-D052-6811-A747EF0460CE}"/>
+              </a:ext>
+            </a:extLst>
+          </p:cNvPr>
+          <p:cNvPicPr>
+            <a:picLocks noChangeAspect="1"/>
+          </p:cNvPicPr>
+          <p:nvPr/>
+        </p:nvPicPr>
+        <p:blipFill>
+          <a:blip r:embed="rId2"/>
+          <a:stretch>
+            <a:fillRect/>
+          </a:stretch>
+        </p:blipFill>
+        <p:spPr>
+          <a:xfrm>
+            <a:off x="535234" y="3121803"/>
+            <a:ext cx="3724099" cy="961944"/>
+          </a:xfrm>
+          <a:prstGeom prst="rect">
+            <a:avLst/>
+          </a:prstGeom>
+        </p:spPr>
+      </p:pic>
+      <p:pic>
+        <p:nvPicPr>
+          <p:cNvPr id="5" name="그림 4">
+            <a:extLst>
+              <a:ext uri="{FF2B5EF4-FFF2-40B4-BE49-F238E27FC236}">
+                <a16:creationId xmlns:a16="http://schemas.microsoft.com/office/drawing/2014/main" id="{4126EB74-F19B-87A4-2B37-A1E7E9EE7E68}"/>
+              </a:ext>
+            </a:extLst>
+          </p:cNvPr>
+          <p:cNvPicPr>
+            <a:picLocks noChangeAspect="1"/>
+          </p:cNvPicPr>
+          <p:nvPr/>
+        </p:nvPicPr>
+        <p:blipFill>
+          <a:blip r:embed="rId3"/>
+          <a:stretch>
+            <a:fillRect/>
+          </a:stretch>
+        </p:blipFill>
+        <p:spPr>
+          <a:xfrm>
+            <a:off x="5221242" y="2301835"/>
+            <a:ext cx="3448531" cy="2915057"/>
+          </a:xfrm>
+          <a:prstGeom prst="rect">
+            <a:avLst/>
+          </a:prstGeom>
+        </p:spPr>
+      </p:pic>
+      <p:sp>
+        <p:nvSpPr>
+          <p:cNvPr id="6" name="직사각형 5">
+            <a:extLst>
+              <a:ext uri="{FF2B5EF4-FFF2-40B4-BE49-F238E27FC236}">
+                <a16:creationId xmlns:a16="http://schemas.microsoft.com/office/drawing/2014/main" id="{D2A78BF0-96AB-3419-A0D4-313F9821E969}"/>
+              </a:ext>
+            </a:extLst>
+          </p:cNvPr>
+          <p:cNvSpPr/>
+          <p:nvPr/>
+        </p:nvSpPr>
+        <p:spPr>
+          <a:xfrm>
+            <a:off x="5663381" y="3226947"/>
+            <a:ext cx="2642911" cy="412955"/>
+          </a:xfrm>
+          <a:prstGeom prst="rect">
+            <a:avLst/>
+          </a:prstGeom>
+        </p:spPr>
+        <p:style>
+          <a:lnRef idx="2">
+            <a:schemeClr val="accent1">
+              <a:shade val="50000"/>
+            </a:schemeClr>
+          </a:lnRef>
+          <a:fillRef idx="1">
+            <a:schemeClr val="accent1"/>
+          </a:fillRef>
+          <a:effectRef idx="0">
+            <a:schemeClr val="accent1"/>
+          </a:effectRef>
+          <a:fontRef idx="minor">
+            <a:schemeClr val="lt1"/>
+          </a:fontRef>
+        </p:style>
+        <p:txBody>
+          <a:bodyPr rtlCol="0" anchor="ctr"/>
+          <a:lstStyle/>
+          <a:p>
+            <a:pPr algn="ctr"/>
+            <a:endParaRPr lang="ko-KR" altLang="en-US"/>
+          </a:p>
+        </p:txBody>
+      </p:sp>
+    </p:spTree>
+    <p:extLst>
+      <p:ext uri="{BB962C8B-B14F-4D97-AF65-F5344CB8AC3E}">
+        <p14:creationId xmlns:p14="http://schemas.microsoft.com/office/powerpoint/2010/main" val="4152496312"/>
+      </p:ext>
+    </p:extLst>
+  </p:cSld>
+  <p:clrMapOvr>
+    <a:masterClrMapping/>
   </p:clrMapOvr>
 </p:sld>
 </file>
